--- a/ppt 16-9/0817.为我生命而预备.pptx
+++ b/ppt 16-9/0817.为我生命而预备.pptx
@@ -5,7 +5,7 @@
     <p:sldMasterId id="2147483648" r:id="rId1"/>
   </p:sldMasterIdLst>
   <p:sldIdLst>
-    <p:sldId id="2093" r:id="rId2"/>
+    <p:sldId id="2095" r:id="rId2"/>
   </p:sldIdLst>
   <p:sldSz cx="12192000" cy="6858000"/>
   <p:notesSz cx="6858000" cy="9144000"/>
@@ -129,7 +129,7 @@
           <p:cNvPr id="2" name="标题 1">
             <a:extLst>
               <a:ext uri="{FF2B5EF4-FFF2-40B4-BE49-F238E27FC236}">
-                <a16:creationId xmlns:a16="http://schemas.microsoft.com/office/drawing/2014/main" id="{43D7FC97-E4DE-E37E-863C-591D1389D7E2}"/>
+                <a16:creationId xmlns:a16="http://schemas.microsoft.com/office/drawing/2014/main" id="{C7BD78E0-4F78-15D4-59B0-787552BF66E1}"/>
               </a:ext>
             </a:extLst>
           </p:cNvPr>
@@ -166,7 +166,7 @@
           <p:cNvPr id="3" name="副标题 2">
             <a:extLst>
               <a:ext uri="{FF2B5EF4-FFF2-40B4-BE49-F238E27FC236}">
-                <a16:creationId xmlns:a16="http://schemas.microsoft.com/office/drawing/2014/main" id="{2FD13699-3F53-490F-93EE-FA69999432FC}"/>
+                <a16:creationId xmlns:a16="http://schemas.microsoft.com/office/drawing/2014/main" id="{145DC952-68AB-ECA2-39FE-E03F941E33EE}"/>
               </a:ext>
             </a:extLst>
           </p:cNvPr>
@@ -236,7 +236,7 @@
           <p:cNvPr id="4" name="日期占位符 3">
             <a:extLst>
               <a:ext uri="{FF2B5EF4-FFF2-40B4-BE49-F238E27FC236}">
-                <a16:creationId xmlns:a16="http://schemas.microsoft.com/office/drawing/2014/main" id="{A2C62D22-5094-9E2E-B735-1643EB9859FA}"/>
+                <a16:creationId xmlns:a16="http://schemas.microsoft.com/office/drawing/2014/main" id="{EFDA940A-53B7-5AB7-ECBD-25F7EDA9B024}"/>
               </a:ext>
             </a:extLst>
           </p:cNvPr>
@@ -252,7 +252,7 @@
           <a:bodyPr/>
           <a:lstStyle/>
           <a:p>
-            <a:fld id="{183E1C80-1A48-45B1-93C4-3FF8C7B78533}" type="datetimeFigureOut">
+            <a:fld id="{96174811-2060-417A-86F5-7397E2F2A2D5}" type="datetimeFigureOut">
               <a:rPr lang="zh-CN" altLang="en-US" smtClean="0"/>
               <a:t>2024/3/10</a:t>
             </a:fld>
@@ -265,7 +265,7 @@
           <p:cNvPr id="5" name="页脚占位符 4">
             <a:extLst>
               <a:ext uri="{FF2B5EF4-FFF2-40B4-BE49-F238E27FC236}">
-                <a16:creationId xmlns:a16="http://schemas.microsoft.com/office/drawing/2014/main" id="{2C7ADEBE-A2E9-D987-1E7D-E1587C3C0536}"/>
+                <a16:creationId xmlns:a16="http://schemas.microsoft.com/office/drawing/2014/main" id="{2976E243-6A27-B94D-42E8-CF72E7DD9616}"/>
               </a:ext>
             </a:extLst>
           </p:cNvPr>
@@ -290,7 +290,7 @@
           <p:cNvPr id="6" name="灯片编号占位符 5">
             <a:extLst>
               <a:ext uri="{FF2B5EF4-FFF2-40B4-BE49-F238E27FC236}">
-                <a16:creationId xmlns:a16="http://schemas.microsoft.com/office/drawing/2014/main" id="{3D9EBAED-ADB8-7A1E-C417-B0700927EA35}"/>
+                <a16:creationId xmlns:a16="http://schemas.microsoft.com/office/drawing/2014/main" id="{9E17E6AD-866E-D440-E205-671828E2BF4B}"/>
               </a:ext>
             </a:extLst>
           </p:cNvPr>
@@ -306,7 +306,7 @@
           <a:bodyPr/>
           <a:lstStyle/>
           <a:p>
-            <a:fld id="{BC19CB90-AB0D-4965-9A06-28FA7480663B}" type="slidenum">
+            <a:fld id="{0B1BCE86-C511-43F4-9967-D7583138C8C2}" type="slidenum">
               <a:rPr lang="zh-CN" altLang="en-US" smtClean="0"/>
               <a:t>‹#›</a:t>
             </a:fld>
@@ -317,7 +317,7 @@
     </p:spTree>
     <p:extLst>
       <p:ext uri="{BB962C8B-B14F-4D97-AF65-F5344CB8AC3E}">
-        <p14:creationId xmlns:p14="http://schemas.microsoft.com/office/powerpoint/2010/main" val="1674967916"/>
+        <p14:creationId xmlns:p14="http://schemas.microsoft.com/office/powerpoint/2010/main" val="3998150999"/>
       </p:ext>
     </p:extLst>
   </p:cSld>
@@ -349,7 +349,7 @@
           <p:cNvPr id="2" name="标题 1">
             <a:extLst>
               <a:ext uri="{FF2B5EF4-FFF2-40B4-BE49-F238E27FC236}">
-                <a16:creationId xmlns:a16="http://schemas.microsoft.com/office/drawing/2014/main" id="{7CC43689-96B1-8528-CEAD-5044A42057BF}"/>
+                <a16:creationId xmlns:a16="http://schemas.microsoft.com/office/drawing/2014/main" id="{4B88B919-E407-AE52-AFC1-C49DCE8D6E99}"/>
               </a:ext>
             </a:extLst>
           </p:cNvPr>
@@ -377,7 +377,7 @@
           <p:cNvPr id="3" name="竖排文字占位符 2">
             <a:extLst>
               <a:ext uri="{FF2B5EF4-FFF2-40B4-BE49-F238E27FC236}">
-                <a16:creationId xmlns:a16="http://schemas.microsoft.com/office/drawing/2014/main" id="{B2667334-C944-BC05-84B7-2D0EE634D2F7}"/>
+                <a16:creationId xmlns:a16="http://schemas.microsoft.com/office/drawing/2014/main" id="{11229815-43AF-C31C-369F-9261FA192167}"/>
               </a:ext>
             </a:extLst>
           </p:cNvPr>
@@ -434,7 +434,7 @@
           <p:cNvPr id="4" name="日期占位符 3">
             <a:extLst>
               <a:ext uri="{FF2B5EF4-FFF2-40B4-BE49-F238E27FC236}">
-                <a16:creationId xmlns:a16="http://schemas.microsoft.com/office/drawing/2014/main" id="{9151B159-362D-443F-57C8-4CDD8B8634F7}"/>
+                <a16:creationId xmlns:a16="http://schemas.microsoft.com/office/drawing/2014/main" id="{89E2FC5B-E01B-B754-5C23-25BA56ED1B98}"/>
               </a:ext>
             </a:extLst>
           </p:cNvPr>
@@ -450,7 +450,7 @@
           <a:bodyPr/>
           <a:lstStyle/>
           <a:p>
-            <a:fld id="{183E1C80-1A48-45B1-93C4-3FF8C7B78533}" type="datetimeFigureOut">
+            <a:fld id="{96174811-2060-417A-86F5-7397E2F2A2D5}" type="datetimeFigureOut">
               <a:rPr lang="zh-CN" altLang="en-US" smtClean="0"/>
               <a:t>2024/3/10</a:t>
             </a:fld>
@@ -463,7 +463,7 @@
           <p:cNvPr id="5" name="页脚占位符 4">
             <a:extLst>
               <a:ext uri="{FF2B5EF4-FFF2-40B4-BE49-F238E27FC236}">
-                <a16:creationId xmlns:a16="http://schemas.microsoft.com/office/drawing/2014/main" id="{D7E73074-FBED-13D4-79A7-66C5ED8F3F6F}"/>
+                <a16:creationId xmlns:a16="http://schemas.microsoft.com/office/drawing/2014/main" id="{0910270E-FB94-636E-40D7-7931F0DF0739}"/>
               </a:ext>
             </a:extLst>
           </p:cNvPr>
@@ -488,7 +488,7 @@
           <p:cNvPr id="6" name="灯片编号占位符 5">
             <a:extLst>
               <a:ext uri="{FF2B5EF4-FFF2-40B4-BE49-F238E27FC236}">
-                <a16:creationId xmlns:a16="http://schemas.microsoft.com/office/drawing/2014/main" id="{2BBDD89A-E94A-664F-711C-B8BF15E59753}"/>
+                <a16:creationId xmlns:a16="http://schemas.microsoft.com/office/drawing/2014/main" id="{E44B9E71-6274-6C04-EBCA-EFA6818424B0}"/>
               </a:ext>
             </a:extLst>
           </p:cNvPr>
@@ -504,7 +504,7 @@
           <a:bodyPr/>
           <a:lstStyle/>
           <a:p>
-            <a:fld id="{BC19CB90-AB0D-4965-9A06-28FA7480663B}" type="slidenum">
+            <a:fld id="{0B1BCE86-C511-43F4-9967-D7583138C8C2}" type="slidenum">
               <a:rPr lang="zh-CN" altLang="en-US" smtClean="0"/>
               <a:t>‹#›</a:t>
             </a:fld>
@@ -515,7 +515,7 @@
     </p:spTree>
     <p:extLst>
       <p:ext uri="{BB962C8B-B14F-4D97-AF65-F5344CB8AC3E}">
-        <p14:creationId xmlns:p14="http://schemas.microsoft.com/office/powerpoint/2010/main" val="323562915"/>
+        <p14:creationId xmlns:p14="http://schemas.microsoft.com/office/powerpoint/2010/main" val="3193752226"/>
       </p:ext>
     </p:extLst>
   </p:cSld>
@@ -547,7 +547,7 @@
           <p:cNvPr id="2" name="竖排标题 1">
             <a:extLst>
               <a:ext uri="{FF2B5EF4-FFF2-40B4-BE49-F238E27FC236}">
-                <a16:creationId xmlns:a16="http://schemas.microsoft.com/office/drawing/2014/main" id="{3868BD7F-E805-3FDA-48D5-0AC1535670F3}"/>
+                <a16:creationId xmlns:a16="http://schemas.microsoft.com/office/drawing/2014/main" id="{E7FAA41D-85E3-6E86-5CBA-AB0820F91BCF}"/>
               </a:ext>
             </a:extLst>
           </p:cNvPr>
@@ -580,7 +580,7 @@
           <p:cNvPr id="3" name="竖排文字占位符 2">
             <a:extLst>
               <a:ext uri="{FF2B5EF4-FFF2-40B4-BE49-F238E27FC236}">
-                <a16:creationId xmlns:a16="http://schemas.microsoft.com/office/drawing/2014/main" id="{1C21B2A0-48E9-255A-0934-56820F0D01BE}"/>
+                <a16:creationId xmlns:a16="http://schemas.microsoft.com/office/drawing/2014/main" id="{6897D4FB-D2FA-8A1E-0073-C373503ADBC6}"/>
               </a:ext>
             </a:extLst>
           </p:cNvPr>
@@ -642,7 +642,7 @@
           <p:cNvPr id="4" name="日期占位符 3">
             <a:extLst>
               <a:ext uri="{FF2B5EF4-FFF2-40B4-BE49-F238E27FC236}">
-                <a16:creationId xmlns:a16="http://schemas.microsoft.com/office/drawing/2014/main" id="{A4FFCB2F-0EBD-FBF8-B25B-595896EA6733}"/>
+                <a16:creationId xmlns:a16="http://schemas.microsoft.com/office/drawing/2014/main" id="{B1328FDF-DC6D-493F-7620-CC533D186E81}"/>
               </a:ext>
             </a:extLst>
           </p:cNvPr>
@@ -658,7 +658,7 @@
           <a:bodyPr/>
           <a:lstStyle/>
           <a:p>
-            <a:fld id="{183E1C80-1A48-45B1-93C4-3FF8C7B78533}" type="datetimeFigureOut">
+            <a:fld id="{96174811-2060-417A-86F5-7397E2F2A2D5}" type="datetimeFigureOut">
               <a:rPr lang="zh-CN" altLang="en-US" smtClean="0"/>
               <a:t>2024/3/10</a:t>
             </a:fld>
@@ -671,7 +671,7 @@
           <p:cNvPr id="5" name="页脚占位符 4">
             <a:extLst>
               <a:ext uri="{FF2B5EF4-FFF2-40B4-BE49-F238E27FC236}">
-                <a16:creationId xmlns:a16="http://schemas.microsoft.com/office/drawing/2014/main" id="{E6EF97B0-EBF5-5522-6179-27091D203FF8}"/>
+                <a16:creationId xmlns:a16="http://schemas.microsoft.com/office/drawing/2014/main" id="{AC8063CD-C52F-C2FB-418F-C0BF52CB124B}"/>
               </a:ext>
             </a:extLst>
           </p:cNvPr>
@@ -696,7 +696,7 @@
           <p:cNvPr id="6" name="灯片编号占位符 5">
             <a:extLst>
               <a:ext uri="{FF2B5EF4-FFF2-40B4-BE49-F238E27FC236}">
-                <a16:creationId xmlns:a16="http://schemas.microsoft.com/office/drawing/2014/main" id="{512506D3-174C-F17D-0E2D-03833B0C3AFF}"/>
+                <a16:creationId xmlns:a16="http://schemas.microsoft.com/office/drawing/2014/main" id="{6C5486FF-567F-1C52-EA99-6D6DB0C6BC89}"/>
               </a:ext>
             </a:extLst>
           </p:cNvPr>
@@ -712,7 +712,7 @@
           <a:bodyPr/>
           <a:lstStyle/>
           <a:p>
-            <a:fld id="{BC19CB90-AB0D-4965-9A06-28FA7480663B}" type="slidenum">
+            <a:fld id="{0B1BCE86-C511-43F4-9967-D7583138C8C2}" type="slidenum">
               <a:rPr lang="zh-CN" altLang="en-US" smtClean="0"/>
               <a:t>‹#›</a:t>
             </a:fld>
@@ -723,7 +723,7 @@
     </p:spTree>
     <p:extLst>
       <p:ext uri="{BB962C8B-B14F-4D97-AF65-F5344CB8AC3E}">
-        <p14:creationId xmlns:p14="http://schemas.microsoft.com/office/powerpoint/2010/main" val="3899775656"/>
+        <p14:creationId xmlns:p14="http://schemas.microsoft.com/office/powerpoint/2010/main" val="2673636222"/>
       </p:ext>
     </p:extLst>
   </p:cSld>
@@ -755,7 +755,7 @@
           <p:cNvPr id="2" name="标题 1">
             <a:extLst>
               <a:ext uri="{FF2B5EF4-FFF2-40B4-BE49-F238E27FC236}">
-                <a16:creationId xmlns:a16="http://schemas.microsoft.com/office/drawing/2014/main" id="{C4B525B5-378B-FE3B-2FA0-BB3AE19772BB}"/>
+                <a16:creationId xmlns:a16="http://schemas.microsoft.com/office/drawing/2014/main" id="{4745B35C-DC10-B21A-AF6F-2D081BF95312}"/>
               </a:ext>
             </a:extLst>
           </p:cNvPr>
@@ -783,7 +783,7 @@
           <p:cNvPr id="3" name="内容占位符 2">
             <a:extLst>
               <a:ext uri="{FF2B5EF4-FFF2-40B4-BE49-F238E27FC236}">
-                <a16:creationId xmlns:a16="http://schemas.microsoft.com/office/drawing/2014/main" id="{4811F680-EC61-80E3-A621-178AC0A4F78F}"/>
+                <a16:creationId xmlns:a16="http://schemas.microsoft.com/office/drawing/2014/main" id="{0B6C7BF5-5DEA-6A64-C400-CAAD88CF79EA}"/>
               </a:ext>
             </a:extLst>
           </p:cNvPr>
@@ -840,7 +840,7 @@
           <p:cNvPr id="4" name="日期占位符 3">
             <a:extLst>
               <a:ext uri="{FF2B5EF4-FFF2-40B4-BE49-F238E27FC236}">
-                <a16:creationId xmlns:a16="http://schemas.microsoft.com/office/drawing/2014/main" id="{363D2FAA-6B46-1C7F-F866-EF912CC919C9}"/>
+                <a16:creationId xmlns:a16="http://schemas.microsoft.com/office/drawing/2014/main" id="{7E7E3EDF-937A-6D78-7980-0D66526A887C}"/>
               </a:ext>
             </a:extLst>
           </p:cNvPr>
@@ -856,7 +856,7 @@
           <a:bodyPr/>
           <a:lstStyle/>
           <a:p>
-            <a:fld id="{183E1C80-1A48-45B1-93C4-3FF8C7B78533}" type="datetimeFigureOut">
+            <a:fld id="{96174811-2060-417A-86F5-7397E2F2A2D5}" type="datetimeFigureOut">
               <a:rPr lang="zh-CN" altLang="en-US" smtClean="0"/>
               <a:t>2024/3/10</a:t>
             </a:fld>
@@ -869,7 +869,7 @@
           <p:cNvPr id="5" name="页脚占位符 4">
             <a:extLst>
               <a:ext uri="{FF2B5EF4-FFF2-40B4-BE49-F238E27FC236}">
-                <a16:creationId xmlns:a16="http://schemas.microsoft.com/office/drawing/2014/main" id="{BBECFB5E-454C-C832-7892-72EE8DD9E806}"/>
+                <a16:creationId xmlns:a16="http://schemas.microsoft.com/office/drawing/2014/main" id="{49C90DA3-2481-021D-B7AF-88E1C3916C71}"/>
               </a:ext>
             </a:extLst>
           </p:cNvPr>
@@ -894,7 +894,7 @@
           <p:cNvPr id="6" name="灯片编号占位符 5">
             <a:extLst>
               <a:ext uri="{FF2B5EF4-FFF2-40B4-BE49-F238E27FC236}">
-                <a16:creationId xmlns:a16="http://schemas.microsoft.com/office/drawing/2014/main" id="{5DA8454C-C5D5-F986-5CAD-0055C61EC201}"/>
+                <a16:creationId xmlns:a16="http://schemas.microsoft.com/office/drawing/2014/main" id="{A628DAE2-D0AC-E000-9DEE-DC0F616D05BE}"/>
               </a:ext>
             </a:extLst>
           </p:cNvPr>
@@ -910,7 +910,7 @@
           <a:bodyPr/>
           <a:lstStyle/>
           <a:p>
-            <a:fld id="{BC19CB90-AB0D-4965-9A06-28FA7480663B}" type="slidenum">
+            <a:fld id="{0B1BCE86-C511-43F4-9967-D7583138C8C2}" type="slidenum">
               <a:rPr lang="zh-CN" altLang="en-US" smtClean="0"/>
               <a:t>‹#›</a:t>
             </a:fld>
@@ -921,7 +921,7 @@
     </p:spTree>
     <p:extLst>
       <p:ext uri="{BB962C8B-B14F-4D97-AF65-F5344CB8AC3E}">
-        <p14:creationId xmlns:p14="http://schemas.microsoft.com/office/powerpoint/2010/main" val="2974510967"/>
+        <p14:creationId xmlns:p14="http://schemas.microsoft.com/office/powerpoint/2010/main" val="4036245995"/>
       </p:ext>
     </p:extLst>
   </p:cSld>
@@ -953,7 +953,7 @@
           <p:cNvPr id="2" name="标题 1">
             <a:extLst>
               <a:ext uri="{FF2B5EF4-FFF2-40B4-BE49-F238E27FC236}">
-                <a16:creationId xmlns:a16="http://schemas.microsoft.com/office/drawing/2014/main" id="{3D667355-8E41-E0DB-DED6-D60FBAFBE19B}"/>
+                <a16:creationId xmlns:a16="http://schemas.microsoft.com/office/drawing/2014/main" id="{4C617DC9-C6C5-F45A-91E2-871D8F4A2A36}"/>
               </a:ext>
             </a:extLst>
           </p:cNvPr>
@@ -990,7 +990,7 @@
           <p:cNvPr id="3" name="文本占位符 2">
             <a:extLst>
               <a:ext uri="{FF2B5EF4-FFF2-40B4-BE49-F238E27FC236}">
-                <a16:creationId xmlns:a16="http://schemas.microsoft.com/office/drawing/2014/main" id="{20259AF2-DF38-FE2B-4A25-2493BF4CCADA}"/>
+                <a16:creationId xmlns:a16="http://schemas.microsoft.com/office/drawing/2014/main" id="{07FB03AC-63AA-7E77-7AEE-B5835DBD2161}"/>
               </a:ext>
             </a:extLst>
           </p:cNvPr>
@@ -1115,7 +1115,7 @@
           <p:cNvPr id="4" name="日期占位符 3">
             <a:extLst>
               <a:ext uri="{FF2B5EF4-FFF2-40B4-BE49-F238E27FC236}">
-                <a16:creationId xmlns:a16="http://schemas.microsoft.com/office/drawing/2014/main" id="{828809D0-A627-9F41-8A20-D694ADF37F8D}"/>
+                <a16:creationId xmlns:a16="http://schemas.microsoft.com/office/drawing/2014/main" id="{293E1712-7E0A-F1C9-2272-7A2ADF573253}"/>
               </a:ext>
             </a:extLst>
           </p:cNvPr>
@@ -1131,7 +1131,7 @@
           <a:bodyPr/>
           <a:lstStyle/>
           <a:p>
-            <a:fld id="{183E1C80-1A48-45B1-93C4-3FF8C7B78533}" type="datetimeFigureOut">
+            <a:fld id="{96174811-2060-417A-86F5-7397E2F2A2D5}" type="datetimeFigureOut">
               <a:rPr lang="zh-CN" altLang="en-US" smtClean="0"/>
               <a:t>2024/3/10</a:t>
             </a:fld>
@@ -1144,7 +1144,7 @@
           <p:cNvPr id="5" name="页脚占位符 4">
             <a:extLst>
               <a:ext uri="{FF2B5EF4-FFF2-40B4-BE49-F238E27FC236}">
-                <a16:creationId xmlns:a16="http://schemas.microsoft.com/office/drawing/2014/main" id="{F2C466B6-A93F-DA17-BFE5-902C12BEAD86}"/>
+                <a16:creationId xmlns:a16="http://schemas.microsoft.com/office/drawing/2014/main" id="{1762B870-004A-EC0D-98AB-161C15ECFFE0}"/>
               </a:ext>
             </a:extLst>
           </p:cNvPr>
@@ -1169,7 +1169,7 @@
           <p:cNvPr id="6" name="灯片编号占位符 5">
             <a:extLst>
               <a:ext uri="{FF2B5EF4-FFF2-40B4-BE49-F238E27FC236}">
-                <a16:creationId xmlns:a16="http://schemas.microsoft.com/office/drawing/2014/main" id="{F2ECBCE3-CED2-3FBF-76A5-8609D6225844}"/>
+                <a16:creationId xmlns:a16="http://schemas.microsoft.com/office/drawing/2014/main" id="{E0F4FA90-9903-F518-832B-FD754DC92820}"/>
               </a:ext>
             </a:extLst>
           </p:cNvPr>
@@ -1185,7 +1185,7 @@
           <a:bodyPr/>
           <a:lstStyle/>
           <a:p>
-            <a:fld id="{BC19CB90-AB0D-4965-9A06-28FA7480663B}" type="slidenum">
+            <a:fld id="{0B1BCE86-C511-43F4-9967-D7583138C8C2}" type="slidenum">
               <a:rPr lang="zh-CN" altLang="en-US" smtClean="0"/>
               <a:t>‹#›</a:t>
             </a:fld>
@@ -1196,7 +1196,7 @@
     </p:spTree>
     <p:extLst>
       <p:ext uri="{BB962C8B-B14F-4D97-AF65-F5344CB8AC3E}">
-        <p14:creationId xmlns:p14="http://schemas.microsoft.com/office/powerpoint/2010/main" val="1963206973"/>
+        <p14:creationId xmlns:p14="http://schemas.microsoft.com/office/powerpoint/2010/main" val="3942949719"/>
       </p:ext>
     </p:extLst>
   </p:cSld>
@@ -1228,7 +1228,7 @@
           <p:cNvPr id="2" name="标题 1">
             <a:extLst>
               <a:ext uri="{FF2B5EF4-FFF2-40B4-BE49-F238E27FC236}">
-                <a16:creationId xmlns:a16="http://schemas.microsoft.com/office/drawing/2014/main" id="{F1EC44B9-8888-9100-ED98-71CDD80622E3}"/>
+                <a16:creationId xmlns:a16="http://schemas.microsoft.com/office/drawing/2014/main" id="{02F1DE1E-EEEC-7F78-F812-0DE4484130CF}"/>
               </a:ext>
             </a:extLst>
           </p:cNvPr>
@@ -1256,7 +1256,7 @@
           <p:cNvPr id="3" name="内容占位符 2">
             <a:extLst>
               <a:ext uri="{FF2B5EF4-FFF2-40B4-BE49-F238E27FC236}">
-                <a16:creationId xmlns:a16="http://schemas.microsoft.com/office/drawing/2014/main" id="{152E300A-09D0-2E0B-54D3-58264708B5EE}"/>
+                <a16:creationId xmlns:a16="http://schemas.microsoft.com/office/drawing/2014/main" id="{BE571281-9498-4FE5-D787-FFB341A26F33}"/>
               </a:ext>
             </a:extLst>
           </p:cNvPr>
@@ -1318,7 +1318,7 @@
           <p:cNvPr id="4" name="内容占位符 3">
             <a:extLst>
               <a:ext uri="{FF2B5EF4-FFF2-40B4-BE49-F238E27FC236}">
-                <a16:creationId xmlns:a16="http://schemas.microsoft.com/office/drawing/2014/main" id="{78DFF205-F140-A1F7-1EFC-2EEDFBE2211C}"/>
+                <a16:creationId xmlns:a16="http://schemas.microsoft.com/office/drawing/2014/main" id="{13DB9D66-315B-F920-6738-F34B7971DE25}"/>
               </a:ext>
             </a:extLst>
           </p:cNvPr>
@@ -1380,7 +1380,7 @@
           <p:cNvPr id="5" name="日期占位符 4">
             <a:extLst>
               <a:ext uri="{FF2B5EF4-FFF2-40B4-BE49-F238E27FC236}">
-                <a16:creationId xmlns:a16="http://schemas.microsoft.com/office/drawing/2014/main" id="{4F33CBC9-BBA2-29A3-C343-1F488D64A32F}"/>
+                <a16:creationId xmlns:a16="http://schemas.microsoft.com/office/drawing/2014/main" id="{A8EB0C52-B27F-AA5B-B721-6BD27591DBBB}"/>
               </a:ext>
             </a:extLst>
           </p:cNvPr>
@@ -1396,7 +1396,7 @@
           <a:bodyPr/>
           <a:lstStyle/>
           <a:p>
-            <a:fld id="{183E1C80-1A48-45B1-93C4-3FF8C7B78533}" type="datetimeFigureOut">
+            <a:fld id="{96174811-2060-417A-86F5-7397E2F2A2D5}" type="datetimeFigureOut">
               <a:rPr lang="zh-CN" altLang="en-US" smtClean="0"/>
               <a:t>2024/3/10</a:t>
             </a:fld>
@@ -1409,7 +1409,7 @@
           <p:cNvPr id="6" name="页脚占位符 5">
             <a:extLst>
               <a:ext uri="{FF2B5EF4-FFF2-40B4-BE49-F238E27FC236}">
-                <a16:creationId xmlns:a16="http://schemas.microsoft.com/office/drawing/2014/main" id="{02A73EE3-EE95-B358-C18E-6CBFE21A532D}"/>
+                <a16:creationId xmlns:a16="http://schemas.microsoft.com/office/drawing/2014/main" id="{50A6887F-8D55-57D1-3B85-D425C0A77A9E}"/>
               </a:ext>
             </a:extLst>
           </p:cNvPr>
@@ -1434,7 +1434,7 @@
           <p:cNvPr id="7" name="灯片编号占位符 6">
             <a:extLst>
               <a:ext uri="{FF2B5EF4-FFF2-40B4-BE49-F238E27FC236}">
-                <a16:creationId xmlns:a16="http://schemas.microsoft.com/office/drawing/2014/main" id="{411D1B30-AF4F-33A9-F4F1-E0017829B27F}"/>
+                <a16:creationId xmlns:a16="http://schemas.microsoft.com/office/drawing/2014/main" id="{782771E0-D75F-32AB-789C-D044398381A9}"/>
               </a:ext>
             </a:extLst>
           </p:cNvPr>
@@ -1450,7 +1450,7 @@
           <a:bodyPr/>
           <a:lstStyle/>
           <a:p>
-            <a:fld id="{BC19CB90-AB0D-4965-9A06-28FA7480663B}" type="slidenum">
+            <a:fld id="{0B1BCE86-C511-43F4-9967-D7583138C8C2}" type="slidenum">
               <a:rPr lang="zh-CN" altLang="en-US" smtClean="0"/>
               <a:t>‹#›</a:t>
             </a:fld>
@@ -1461,7 +1461,7 @@
     </p:spTree>
     <p:extLst>
       <p:ext uri="{BB962C8B-B14F-4D97-AF65-F5344CB8AC3E}">
-        <p14:creationId xmlns:p14="http://schemas.microsoft.com/office/powerpoint/2010/main" val="3618676490"/>
+        <p14:creationId xmlns:p14="http://schemas.microsoft.com/office/powerpoint/2010/main" val="528257544"/>
       </p:ext>
     </p:extLst>
   </p:cSld>
@@ -1493,7 +1493,7 @@
           <p:cNvPr id="2" name="标题 1">
             <a:extLst>
               <a:ext uri="{FF2B5EF4-FFF2-40B4-BE49-F238E27FC236}">
-                <a16:creationId xmlns:a16="http://schemas.microsoft.com/office/drawing/2014/main" id="{04095C9C-B5C4-3CB0-9EEA-0F5735423F70}"/>
+                <a16:creationId xmlns:a16="http://schemas.microsoft.com/office/drawing/2014/main" id="{393FE079-F76E-5EE4-EC58-A9A73FD4455A}"/>
               </a:ext>
             </a:extLst>
           </p:cNvPr>
@@ -1526,7 +1526,7 @@
           <p:cNvPr id="3" name="文本占位符 2">
             <a:extLst>
               <a:ext uri="{FF2B5EF4-FFF2-40B4-BE49-F238E27FC236}">
-                <a16:creationId xmlns:a16="http://schemas.microsoft.com/office/drawing/2014/main" id="{34538586-43D9-A941-83F4-D3F78F3B0217}"/>
+                <a16:creationId xmlns:a16="http://schemas.microsoft.com/office/drawing/2014/main" id="{D8CC40E8-BE17-5B2A-E179-3CA9B1A02845}"/>
               </a:ext>
             </a:extLst>
           </p:cNvPr>
@@ -1597,7 +1597,7 @@
           <p:cNvPr id="4" name="内容占位符 3">
             <a:extLst>
               <a:ext uri="{FF2B5EF4-FFF2-40B4-BE49-F238E27FC236}">
-                <a16:creationId xmlns:a16="http://schemas.microsoft.com/office/drawing/2014/main" id="{14C46D0F-FD2F-7DC4-3432-207D00D832DE}"/>
+                <a16:creationId xmlns:a16="http://schemas.microsoft.com/office/drawing/2014/main" id="{3F9D6933-D0F7-CAE0-82DC-19DD92E28D3B}"/>
               </a:ext>
             </a:extLst>
           </p:cNvPr>
@@ -1659,7 +1659,7 @@
           <p:cNvPr id="5" name="文本占位符 4">
             <a:extLst>
               <a:ext uri="{FF2B5EF4-FFF2-40B4-BE49-F238E27FC236}">
-                <a16:creationId xmlns:a16="http://schemas.microsoft.com/office/drawing/2014/main" id="{19DD85B4-DEB0-3D65-9A4D-D14A8CE6BE31}"/>
+                <a16:creationId xmlns:a16="http://schemas.microsoft.com/office/drawing/2014/main" id="{A2449179-9B63-0CF4-4C1E-65580F80547E}"/>
               </a:ext>
             </a:extLst>
           </p:cNvPr>
@@ -1730,7 +1730,7 @@
           <p:cNvPr id="6" name="内容占位符 5">
             <a:extLst>
               <a:ext uri="{FF2B5EF4-FFF2-40B4-BE49-F238E27FC236}">
-                <a16:creationId xmlns:a16="http://schemas.microsoft.com/office/drawing/2014/main" id="{E46430A8-2BCC-29D2-E51E-43AB51DE8713}"/>
+                <a16:creationId xmlns:a16="http://schemas.microsoft.com/office/drawing/2014/main" id="{37DEACB4-5E17-51F5-8C8F-1E342173176D}"/>
               </a:ext>
             </a:extLst>
           </p:cNvPr>
@@ -1792,7 +1792,7 @@
           <p:cNvPr id="7" name="日期占位符 6">
             <a:extLst>
               <a:ext uri="{FF2B5EF4-FFF2-40B4-BE49-F238E27FC236}">
-                <a16:creationId xmlns:a16="http://schemas.microsoft.com/office/drawing/2014/main" id="{B01A7C7E-70E6-05F5-55DC-673DE853A3D9}"/>
+                <a16:creationId xmlns:a16="http://schemas.microsoft.com/office/drawing/2014/main" id="{96DA7D33-0060-6CBA-F418-89C74FE0A4D4}"/>
               </a:ext>
             </a:extLst>
           </p:cNvPr>
@@ -1808,7 +1808,7 @@
           <a:bodyPr/>
           <a:lstStyle/>
           <a:p>
-            <a:fld id="{183E1C80-1A48-45B1-93C4-3FF8C7B78533}" type="datetimeFigureOut">
+            <a:fld id="{96174811-2060-417A-86F5-7397E2F2A2D5}" type="datetimeFigureOut">
               <a:rPr lang="zh-CN" altLang="en-US" smtClean="0"/>
               <a:t>2024/3/10</a:t>
             </a:fld>
@@ -1821,7 +1821,7 @@
           <p:cNvPr id="8" name="页脚占位符 7">
             <a:extLst>
               <a:ext uri="{FF2B5EF4-FFF2-40B4-BE49-F238E27FC236}">
-                <a16:creationId xmlns:a16="http://schemas.microsoft.com/office/drawing/2014/main" id="{2B2DDBA6-D978-969D-E99E-835646ABDE38}"/>
+                <a16:creationId xmlns:a16="http://schemas.microsoft.com/office/drawing/2014/main" id="{4128954F-2955-CFEF-22D1-F5AEADA5F417}"/>
               </a:ext>
             </a:extLst>
           </p:cNvPr>
@@ -1846,7 +1846,7 @@
           <p:cNvPr id="9" name="灯片编号占位符 8">
             <a:extLst>
               <a:ext uri="{FF2B5EF4-FFF2-40B4-BE49-F238E27FC236}">
-                <a16:creationId xmlns:a16="http://schemas.microsoft.com/office/drawing/2014/main" id="{87651A93-38FB-4448-91C9-DFAB771108A5}"/>
+                <a16:creationId xmlns:a16="http://schemas.microsoft.com/office/drawing/2014/main" id="{8B6A10D5-8A96-3AE6-CDC8-2A71E8626F77}"/>
               </a:ext>
             </a:extLst>
           </p:cNvPr>
@@ -1862,7 +1862,7 @@
           <a:bodyPr/>
           <a:lstStyle/>
           <a:p>
-            <a:fld id="{BC19CB90-AB0D-4965-9A06-28FA7480663B}" type="slidenum">
+            <a:fld id="{0B1BCE86-C511-43F4-9967-D7583138C8C2}" type="slidenum">
               <a:rPr lang="zh-CN" altLang="en-US" smtClean="0"/>
               <a:t>‹#›</a:t>
             </a:fld>
@@ -1873,7 +1873,7 @@
     </p:spTree>
     <p:extLst>
       <p:ext uri="{BB962C8B-B14F-4D97-AF65-F5344CB8AC3E}">
-        <p14:creationId xmlns:p14="http://schemas.microsoft.com/office/powerpoint/2010/main" val="1828613538"/>
+        <p14:creationId xmlns:p14="http://schemas.microsoft.com/office/powerpoint/2010/main" val="3528163330"/>
       </p:ext>
     </p:extLst>
   </p:cSld>
@@ -1905,7 +1905,7 @@
           <p:cNvPr id="2" name="标题 1">
             <a:extLst>
               <a:ext uri="{FF2B5EF4-FFF2-40B4-BE49-F238E27FC236}">
-                <a16:creationId xmlns:a16="http://schemas.microsoft.com/office/drawing/2014/main" id="{0F4FA2C5-65CA-B964-04E6-6C0719CA4548}"/>
+                <a16:creationId xmlns:a16="http://schemas.microsoft.com/office/drawing/2014/main" id="{FF423BF4-5E14-C7A6-08C7-F85557364F34}"/>
               </a:ext>
             </a:extLst>
           </p:cNvPr>
@@ -1933,7 +1933,7 @@
           <p:cNvPr id="3" name="日期占位符 2">
             <a:extLst>
               <a:ext uri="{FF2B5EF4-FFF2-40B4-BE49-F238E27FC236}">
-                <a16:creationId xmlns:a16="http://schemas.microsoft.com/office/drawing/2014/main" id="{24371DEB-9F3A-B605-8926-9200AA78D0BF}"/>
+                <a16:creationId xmlns:a16="http://schemas.microsoft.com/office/drawing/2014/main" id="{87995E24-21A8-DCC1-149E-F51583F30FA6}"/>
               </a:ext>
             </a:extLst>
           </p:cNvPr>
@@ -1949,7 +1949,7 @@
           <a:bodyPr/>
           <a:lstStyle/>
           <a:p>
-            <a:fld id="{183E1C80-1A48-45B1-93C4-3FF8C7B78533}" type="datetimeFigureOut">
+            <a:fld id="{96174811-2060-417A-86F5-7397E2F2A2D5}" type="datetimeFigureOut">
               <a:rPr lang="zh-CN" altLang="en-US" smtClean="0"/>
               <a:t>2024/3/10</a:t>
             </a:fld>
@@ -1962,7 +1962,7 @@
           <p:cNvPr id="4" name="页脚占位符 3">
             <a:extLst>
               <a:ext uri="{FF2B5EF4-FFF2-40B4-BE49-F238E27FC236}">
-                <a16:creationId xmlns:a16="http://schemas.microsoft.com/office/drawing/2014/main" id="{4731AE5F-0E86-064A-A1FA-9893916346A9}"/>
+                <a16:creationId xmlns:a16="http://schemas.microsoft.com/office/drawing/2014/main" id="{47BB1298-1EC7-20F1-DBF2-F3B700226C26}"/>
               </a:ext>
             </a:extLst>
           </p:cNvPr>
@@ -1987,7 +1987,7 @@
           <p:cNvPr id="5" name="灯片编号占位符 4">
             <a:extLst>
               <a:ext uri="{FF2B5EF4-FFF2-40B4-BE49-F238E27FC236}">
-                <a16:creationId xmlns:a16="http://schemas.microsoft.com/office/drawing/2014/main" id="{AC097F46-E607-9649-E825-24D6A05CE0BE}"/>
+                <a16:creationId xmlns:a16="http://schemas.microsoft.com/office/drawing/2014/main" id="{F650E032-A3FC-76EA-C8AE-2D14D1520659}"/>
               </a:ext>
             </a:extLst>
           </p:cNvPr>
@@ -2003,7 +2003,7 @@
           <a:bodyPr/>
           <a:lstStyle/>
           <a:p>
-            <a:fld id="{BC19CB90-AB0D-4965-9A06-28FA7480663B}" type="slidenum">
+            <a:fld id="{0B1BCE86-C511-43F4-9967-D7583138C8C2}" type="slidenum">
               <a:rPr lang="zh-CN" altLang="en-US" smtClean="0"/>
               <a:t>‹#›</a:t>
             </a:fld>
@@ -2014,7 +2014,7 @@
     </p:spTree>
     <p:extLst>
       <p:ext uri="{BB962C8B-B14F-4D97-AF65-F5344CB8AC3E}">
-        <p14:creationId xmlns:p14="http://schemas.microsoft.com/office/powerpoint/2010/main" val="199602437"/>
+        <p14:creationId xmlns:p14="http://schemas.microsoft.com/office/powerpoint/2010/main" val="2217578419"/>
       </p:ext>
     </p:extLst>
   </p:cSld>
@@ -2046,7 +2046,7 @@
           <p:cNvPr id="2" name="日期占位符 1">
             <a:extLst>
               <a:ext uri="{FF2B5EF4-FFF2-40B4-BE49-F238E27FC236}">
-                <a16:creationId xmlns:a16="http://schemas.microsoft.com/office/drawing/2014/main" id="{6A381D46-F8C3-FB87-0806-D3F82307B5CF}"/>
+                <a16:creationId xmlns:a16="http://schemas.microsoft.com/office/drawing/2014/main" id="{8279645F-D4DA-F1CB-A0D3-79125A869EA5}"/>
               </a:ext>
             </a:extLst>
           </p:cNvPr>
@@ -2062,7 +2062,7 @@
           <a:bodyPr/>
           <a:lstStyle/>
           <a:p>
-            <a:fld id="{183E1C80-1A48-45B1-93C4-3FF8C7B78533}" type="datetimeFigureOut">
+            <a:fld id="{96174811-2060-417A-86F5-7397E2F2A2D5}" type="datetimeFigureOut">
               <a:rPr lang="zh-CN" altLang="en-US" smtClean="0"/>
               <a:t>2024/3/10</a:t>
             </a:fld>
@@ -2075,7 +2075,7 @@
           <p:cNvPr id="3" name="页脚占位符 2">
             <a:extLst>
               <a:ext uri="{FF2B5EF4-FFF2-40B4-BE49-F238E27FC236}">
-                <a16:creationId xmlns:a16="http://schemas.microsoft.com/office/drawing/2014/main" id="{CAE2A998-35C4-4A85-A048-D876783CF826}"/>
+                <a16:creationId xmlns:a16="http://schemas.microsoft.com/office/drawing/2014/main" id="{4301712E-1231-EDE2-3914-6500386F98B5}"/>
               </a:ext>
             </a:extLst>
           </p:cNvPr>
@@ -2100,7 +2100,7 @@
           <p:cNvPr id="4" name="灯片编号占位符 3">
             <a:extLst>
               <a:ext uri="{FF2B5EF4-FFF2-40B4-BE49-F238E27FC236}">
-                <a16:creationId xmlns:a16="http://schemas.microsoft.com/office/drawing/2014/main" id="{68DC0106-2D66-DA7B-841D-B7C1D86BF9CA}"/>
+                <a16:creationId xmlns:a16="http://schemas.microsoft.com/office/drawing/2014/main" id="{D635CDC3-D6C4-8FC0-0637-13483F872593}"/>
               </a:ext>
             </a:extLst>
           </p:cNvPr>
@@ -2116,7 +2116,7 @@
           <a:bodyPr/>
           <a:lstStyle/>
           <a:p>
-            <a:fld id="{BC19CB90-AB0D-4965-9A06-28FA7480663B}" type="slidenum">
+            <a:fld id="{0B1BCE86-C511-43F4-9967-D7583138C8C2}" type="slidenum">
               <a:rPr lang="zh-CN" altLang="en-US" smtClean="0"/>
               <a:t>‹#›</a:t>
             </a:fld>
@@ -2127,7 +2127,7 @@
     </p:spTree>
     <p:extLst>
       <p:ext uri="{BB962C8B-B14F-4D97-AF65-F5344CB8AC3E}">
-        <p14:creationId xmlns:p14="http://schemas.microsoft.com/office/powerpoint/2010/main" val="3633678087"/>
+        <p14:creationId xmlns:p14="http://schemas.microsoft.com/office/powerpoint/2010/main" val="1019879781"/>
       </p:ext>
     </p:extLst>
   </p:cSld>
@@ -2159,7 +2159,7 @@
           <p:cNvPr id="2" name="标题 1">
             <a:extLst>
               <a:ext uri="{FF2B5EF4-FFF2-40B4-BE49-F238E27FC236}">
-                <a16:creationId xmlns:a16="http://schemas.microsoft.com/office/drawing/2014/main" id="{62E918B8-F08D-F29F-3609-F341251ADDC1}"/>
+                <a16:creationId xmlns:a16="http://schemas.microsoft.com/office/drawing/2014/main" id="{72168FFA-64DB-DE94-42A3-594B174F958F}"/>
               </a:ext>
             </a:extLst>
           </p:cNvPr>
@@ -2196,7 +2196,7 @@
           <p:cNvPr id="3" name="内容占位符 2">
             <a:extLst>
               <a:ext uri="{FF2B5EF4-FFF2-40B4-BE49-F238E27FC236}">
-                <a16:creationId xmlns:a16="http://schemas.microsoft.com/office/drawing/2014/main" id="{50CF5396-BDB4-CEEB-1EA9-5D1EBD5AB52F}"/>
+                <a16:creationId xmlns:a16="http://schemas.microsoft.com/office/drawing/2014/main" id="{D7A0177D-B579-63A7-8F37-FD27395D20E9}"/>
               </a:ext>
             </a:extLst>
           </p:cNvPr>
@@ -2286,7 +2286,7 @@
           <p:cNvPr id="4" name="文本占位符 3">
             <a:extLst>
               <a:ext uri="{FF2B5EF4-FFF2-40B4-BE49-F238E27FC236}">
-                <a16:creationId xmlns:a16="http://schemas.microsoft.com/office/drawing/2014/main" id="{2F211461-8216-3895-39F7-3C5AFD9B3824}"/>
+                <a16:creationId xmlns:a16="http://schemas.microsoft.com/office/drawing/2014/main" id="{44C05A07-EF10-1551-5CAE-C9071F52C9F3}"/>
               </a:ext>
             </a:extLst>
           </p:cNvPr>
@@ -2357,7 +2357,7 @@
           <p:cNvPr id="5" name="日期占位符 4">
             <a:extLst>
               <a:ext uri="{FF2B5EF4-FFF2-40B4-BE49-F238E27FC236}">
-                <a16:creationId xmlns:a16="http://schemas.microsoft.com/office/drawing/2014/main" id="{5495A1D4-C11C-6B87-8DDC-244A348E3F26}"/>
+                <a16:creationId xmlns:a16="http://schemas.microsoft.com/office/drawing/2014/main" id="{63CBD31E-F3AC-96C7-3BD4-36364BCDBC96}"/>
               </a:ext>
             </a:extLst>
           </p:cNvPr>
@@ -2373,7 +2373,7 @@
           <a:bodyPr/>
           <a:lstStyle/>
           <a:p>
-            <a:fld id="{183E1C80-1A48-45B1-93C4-3FF8C7B78533}" type="datetimeFigureOut">
+            <a:fld id="{96174811-2060-417A-86F5-7397E2F2A2D5}" type="datetimeFigureOut">
               <a:rPr lang="zh-CN" altLang="en-US" smtClean="0"/>
               <a:t>2024/3/10</a:t>
             </a:fld>
@@ -2386,7 +2386,7 @@
           <p:cNvPr id="6" name="页脚占位符 5">
             <a:extLst>
               <a:ext uri="{FF2B5EF4-FFF2-40B4-BE49-F238E27FC236}">
-                <a16:creationId xmlns:a16="http://schemas.microsoft.com/office/drawing/2014/main" id="{23DE0E94-6328-7966-0668-EFB1628142F8}"/>
+                <a16:creationId xmlns:a16="http://schemas.microsoft.com/office/drawing/2014/main" id="{289BBC1D-4FC1-D257-DDBC-23C528D3666D}"/>
               </a:ext>
             </a:extLst>
           </p:cNvPr>
@@ -2411,7 +2411,7 @@
           <p:cNvPr id="7" name="灯片编号占位符 6">
             <a:extLst>
               <a:ext uri="{FF2B5EF4-FFF2-40B4-BE49-F238E27FC236}">
-                <a16:creationId xmlns:a16="http://schemas.microsoft.com/office/drawing/2014/main" id="{0070C4A2-C1D9-23D8-45DB-19DF8B1FDE9E}"/>
+                <a16:creationId xmlns:a16="http://schemas.microsoft.com/office/drawing/2014/main" id="{DCA24D5F-F547-82B9-FFDB-EB01692A8E90}"/>
               </a:ext>
             </a:extLst>
           </p:cNvPr>
@@ -2427,7 +2427,7 @@
           <a:bodyPr/>
           <a:lstStyle/>
           <a:p>
-            <a:fld id="{BC19CB90-AB0D-4965-9A06-28FA7480663B}" type="slidenum">
+            <a:fld id="{0B1BCE86-C511-43F4-9967-D7583138C8C2}" type="slidenum">
               <a:rPr lang="zh-CN" altLang="en-US" smtClean="0"/>
               <a:t>‹#›</a:t>
             </a:fld>
@@ -2438,7 +2438,7 @@
     </p:spTree>
     <p:extLst>
       <p:ext uri="{BB962C8B-B14F-4D97-AF65-F5344CB8AC3E}">
-        <p14:creationId xmlns:p14="http://schemas.microsoft.com/office/powerpoint/2010/main" val="3585087294"/>
+        <p14:creationId xmlns:p14="http://schemas.microsoft.com/office/powerpoint/2010/main" val="2622402456"/>
       </p:ext>
     </p:extLst>
   </p:cSld>
@@ -2470,7 +2470,7 @@
           <p:cNvPr id="2" name="标题 1">
             <a:extLst>
               <a:ext uri="{FF2B5EF4-FFF2-40B4-BE49-F238E27FC236}">
-                <a16:creationId xmlns:a16="http://schemas.microsoft.com/office/drawing/2014/main" id="{979361D6-1B2D-D87A-DF54-63AF099E9DAE}"/>
+                <a16:creationId xmlns:a16="http://schemas.microsoft.com/office/drawing/2014/main" id="{BD1223AA-FB1A-E68E-587D-C41EC3D1416C}"/>
               </a:ext>
             </a:extLst>
           </p:cNvPr>
@@ -2507,7 +2507,7 @@
           <p:cNvPr id="3" name="图片占位符 2">
             <a:extLst>
               <a:ext uri="{FF2B5EF4-FFF2-40B4-BE49-F238E27FC236}">
-                <a16:creationId xmlns:a16="http://schemas.microsoft.com/office/drawing/2014/main" id="{ED1DB34A-E8D4-0C5D-6925-65A10DBE33C6}"/>
+                <a16:creationId xmlns:a16="http://schemas.microsoft.com/office/drawing/2014/main" id="{448A1D6B-DC57-0572-9B4C-478A53D20D5A}"/>
               </a:ext>
             </a:extLst>
           </p:cNvPr>
@@ -2574,7 +2574,7 @@
           <p:cNvPr id="4" name="文本占位符 3">
             <a:extLst>
               <a:ext uri="{FF2B5EF4-FFF2-40B4-BE49-F238E27FC236}">
-                <a16:creationId xmlns:a16="http://schemas.microsoft.com/office/drawing/2014/main" id="{30E6D362-4C4F-864D-FBBB-225158AAA666}"/>
+                <a16:creationId xmlns:a16="http://schemas.microsoft.com/office/drawing/2014/main" id="{3083E3F0-4C07-AB1C-F6ED-12647F46D206}"/>
               </a:ext>
             </a:extLst>
           </p:cNvPr>
@@ -2645,7 +2645,7 @@
           <p:cNvPr id="5" name="日期占位符 4">
             <a:extLst>
               <a:ext uri="{FF2B5EF4-FFF2-40B4-BE49-F238E27FC236}">
-                <a16:creationId xmlns:a16="http://schemas.microsoft.com/office/drawing/2014/main" id="{6AB7B533-86B5-F259-8E81-330D995707C1}"/>
+                <a16:creationId xmlns:a16="http://schemas.microsoft.com/office/drawing/2014/main" id="{546ABDDA-B846-D1C6-1F8B-D85E5C8529CC}"/>
               </a:ext>
             </a:extLst>
           </p:cNvPr>
@@ -2661,7 +2661,7 @@
           <a:bodyPr/>
           <a:lstStyle/>
           <a:p>
-            <a:fld id="{183E1C80-1A48-45B1-93C4-3FF8C7B78533}" type="datetimeFigureOut">
+            <a:fld id="{96174811-2060-417A-86F5-7397E2F2A2D5}" type="datetimeFigureOut">
               <a:rPr lang="zh-CN" altLang="en-US" smtClean="0"/>
               <a:t>2024/3/10</a:t>
             </a:fld>
@@ -2674,7 +2674,7 @@
           <p:cNvPr id="6" name="页脚占位符 5">
             <a:extLst>
               <a:ext uri="{FF2B5EF4-FFF2-40B4-BE49-F238E27FC236}">
-                <a16:creationId xmlns:a16="http://schemas.microsoft.com/office/drawing/2014/main" id="{8CEEE7B8-2E59-0B02-D989-268D9841AA8D}"/>
+                <a16:creationId xmlns:a16="http://schemas.microsoft.com/office/drawing/2014/main" id="{A594B355-05FD-DBDE-B5B6-98CFB9140CAD}"/>
               </a:ext>
             </a:extLst>
           </p:cNvPr>
@@ -2699,7 +2699,7 @@
           <p:cNvPr id="7" name="灯片编号占位符 6">
             <a:extLst>
               <a:ext uri="{FF2B5EF4-FFF2-40B4-BE49-F238E27FC236}">
-                <a16:creationId xmlns:a16="http://schemas.microsoft.com/office/drawing/2014/main" id="{4A91E7C3-3A1D-5FEB-933B-178B1F43FAF6}"/>
+                <a16:creationId xmlns:a16="http://schemas.microsoft.com/office/drawing/2014/main" id="{23A380D1-235E-E911-5F72-4F35824399B1}"/>
               </a:ext>
             </a:extLst>
           </p:cNvPr>
@@ -2715,7 +2715,7 @@
           <a:bodyPr/>
           <a:lstStyle/>
           <a:p>
-            <a:fld id="{BC19CB90-AB0D-4965-9A06-28FA7480663B}" type="slidenum">
+            <a:fld id="{0B1BCE86-C511-43F4-9967-D7583138C8C2}" type="slidenum">
               <a:rPr lang="zh-CN" altLang="en-US" smtClean="0"/>
               <a:t>‹#›</a:t>
             </a:fld>
@@ -2726,7 +2726,7 @@
     </p:spTree>
     <p:extLst>
       <p:ext uri="{BB962C8B-B14F-4D97-AF65-F5344CB8AC3E}">
-        <p14:creationId xmlns:p14="http://schemas.microsoft.com/office/powerpoint/2010/main" val="4284602094"/>
+        <p14:creationId xmlns:p14="http://schemas.microsoft.com/office/powerpoint/2010/main" val="3894306032"/>
       </p:ext>
     </p:extLst>
   </p:cSld>
@@ -2763,7 +2763,7 @@
           <p:cNvPr id="2" name="标题占位符 1">
             <a:extLst>
               <a:ext uri="{FF2B5EF4-FFF2-40B4-BE49-F238E27FC236}">
-                <a16:creationId xmlns:a16="http://schemas.microsoft.com/office/drawing/2014/main" id="{E85C4D1D-C82E-4195-2CD9-322593A1ACB4}"/>
+                <a16:creationId xmlns:a16="http://schemas.microsoft.com/office/drawing/2014/main" id="{DA251C2C-E758-DFFD-B7EF-E130EE3F9C02}"/>
               </a:ext>
             </a:extLst>
           </p:cNvPr>
@@ -2801,7 +2801,7 @@
           <p:cNvPr id="3" name="文本占位符 2">
             <a:extLst>
               <a:ext uri="{FF2B5EF4-FFF2-40B4-BE49-F238E27FC236}">
-                <a16:creationId xmlns:a16="http://schemas.microsoft.com/office/drawing/2014/main" id="{23C51425-483F-BC14-39D2-812539417C3E}"/>
+                <a16:creationId xmlns:a16="http://schemas.microsoft.com/office/drawing/2014/main" id="{26B0D553-75F2-CBDB-F04E-1C2234E8E333}"/>
               </a:ext>
             </a:extLst>
           </p:cNvPr>
@@ -2868,7 +2868,7 @@
           <p:cNvPr id="4" name="日期占位符 3">
             <a:extLst>
               <a:ext uri="{FF2B5EF4-FFF2-40B4-BE49-F238E27FC236}">
-                <a16:creationId xmlns:a16="http://schemas.microsoft.com/office/drawing/2014/main" id="{4C4D17F8-EB90-4D2E-2CD3-9375D48B27E9}"/>
+                <a16:creationId xmlns:a16="http://schemas.microsoft.com/office/drawing/2014/main" id="{9F91F143-0F13-FF47-A3DD-EA8B1DC59C04}"/>
               </a:ext>
             </a:extLst>
           </p:cNvPr>
@@ -2902,7 +2902,7 @@
             </a:lvl1pPr>
           </a:lstStyle>
           <a:p>
-            <a:fld id="{183E1C80-1A48-45B1-93C4-3FF8C7B78533}" type="datetimeFigureOut">
+            <a:fld id="{96174811-2060-417A-86F5-7397E2F2A2D5}" type="datetimeFigureOut">
               <a:rPr lang="zh-CN" altLang="en-US" smtClean="0"/>
               <a:t>2024/3/10</a:t>
             </a:fld>
@@ -2915,7 +2915,7 @@
           <p:cNvPr id="5" name="页脚占位符 4">
             <a:extLst>
               <a:ext uri="{FF2B5EF4-FFF2-40B4-BE49-F238E27FC236}">
-                <a16:creationId xmlns:a16="http://schemas.microsoft.com/office/drawing/2014/main" id="{80999D9F-A480-8865-6526-6561B06759C5}"/>
+                <a16:creationId xmlns:a16="http://schemas.microsoft.com/office/drawing/2014/main" id="{A77B9F30-760F-2505-1299-5F154DC29272}"/>
               </a:ext>
             </a:extLst>
           </p:cNvPr>
@@ -2958,7 +2958,7 @@
           <p:cNvPr id="6" name="灯片编号占位符 5">
             <a:extLst>
               <a:ext uri="{FF2B5EF4-FFF2-40B4-BE49-F238E27FC236}">
-                <a16:creationId xmlns:a16="http://schemas.microsoft.com/office/drawing/2014/main" id="{DBBA1174-DC88-47EB-7B62-E46A0E787B77}"/>
+                <a16:creationId xmlns:a16="http://schemas.microsoft.com/office/drawing/2014/main" id="{79CF4BDE-6F36-6C0C-495A-749B70123B5D}"/>
               </a:ext>
             </a:extLst>
           </p:cNvPr>
@@ -2992,7 +2992,7 @@
             </a:lvl1pPr>
           </a:lstStyle>
           <a:p>
-            <a:fld id="{BC19CB90-AB0D-4965-9A06-28FA7480663B}" type="slidenum">
+            <a:fld id="{0B1BCE86-C511-43F4-9967-D7583138C8C2}" type="slidenum">
               <a:rPr lang="zh-CN" altLang="en-US" smtClean="0"/>
               <a:t>‹#›</a:t>
             </a:fld>
@@ -3003,7 +3003,7 @@
     </p:spTree>
     <p:extLst>
       <p:ext uri="{BB962C8B-B14F-4D97-AF65-F5344CB8AC3E}">
-        <p14:creationId xmlns:p14="http://schemas.microsoft.com/office/powerpoint/2010/main" val="4090572801"/>
+        <p14:creationId xmlns:p14="http://schemas.microsoft.com/office/powerpoint/2010/main" val="567848148"/>
       </p:ext>
     </p:extLst>
   </p:cSld>
@@ -3323,7 +3323,7 @@
       </p:grpSpPr>
       <p:pic>
         <p:nvPicPr>
-          <p:cNvPr id="836610" name="Picture 2" descr="816"/>
+          <p:cNvPr id="837634" name="Picture 2" descr="817"/>
           <p:cNvPicPr>
             <a:picLocks noChangeAspect="1" noChangeArrowheads="1"/>
           </p:cNvPicPr>
@@ -3375,158 +3375,11 @@
           </a:extLst>
         </p:spPr>
       </p:pic>
-      <p:pic>
-        <p:nvPicPr>
-          <p:cNvPr id="837635" name="Picture 3" descr="816-2"/>
-          <p:cNvPicPr>
-            <a:picLocks noChangeAspect="1" noChangeArrowheads="1"/>
-          </p:cNvPicPr>
-          <p:nvPr/>
-        </p:nvPicPr>
-        <p:blipFill>
-          <a:blip r:embed="rId3">
-            <a:extLst>
-              <a:ext uri="{28A0092B-C50C-407E-A947-70E740481C1C}">
-                <a14:useLocalDpi xmlns:a14="http://schemas.microsoft.com/office/drawing/2010/main" val="0"/>
-              </a:ext>
-            </a:extLst>
-          </a:blip>
-          <a:srcRect/>
-          <a:stretch>
-            <a:fillRect/>
-          </a:stretch>
-        </p:blipFill>
-        <p:spPr bwMode="auto">
-          <a:xfrm>
-            <a:off x="1560513" y="0"/>
-            <a:ext cx="9144000" cy="6858000"/>
-          </a:xfrm>
-          <a:prstGeom prst="rect">
-            <a:avLst/>
-          </a:prstGeom>
-          <a:noFill/>
-          <a:ln>
-            <a:noFill/>
-          </a:ln>
-          <a:effectLst/>
-          <a:extLst>
-            <a:ext uri="{909E8E84-426E-40DD-AFC4-6F175D3DCCD1}">
-              <a14:hiddenFill xmlns:a14="http://schemas.microsoft.com/office/drawing/2010/main">
-                <a:solidFill>
-                  <a:srgbClr val="FFFFFF"/>
-                </a:solidFill>
-              </a14:hiddenFill>
-            </a:ext>
-            <a:ext uri="{91240B29-F687-4F45-9708-019B960494DF}">
-              <a14:hiddenLine xmlns:a14="http://schemas.microsoft.com/office/drawing/2010/main" w="9525">
-                <a:solidFill>
-                  <a:srgbClr val="000000"/>
-                </a:solidFill>
-                <a:miter lim="800000"/>
-                <a:headEnd/>
-                <a:tailEnd/>
-              </a14:hiddenLine>
-            </a:ext>
-            <a:ext uri="{AF507438-7753-43E0-B8FC-AC1667EBCBE1}">
-              <a14:hiddenEffects xmlns:a14="http://schemas.microsoft.com/office/drawing/2010/main">
-                <a:effectLst>
-                  <a:outerShdw dist="35921" dir="2700000" algn="ctr" rotWithShape="0">
-                    <a:srgbClr val="808080"/>
-                  </a:outerShdw>
-                </a:effectLst>
-              </a14:hiddenEffects>
-            </a:ext>
-          </a:extLst>
-        </p:spPr>
-      </p:pic>
     </p:spTree>
   </p:cSld>
   <p:clrMapOvr>
     <a:masterClrMapping/>
   </p:clrMapOvr>
-  <p:timing>
-    <p:tnLst>
-      <p:par>
-        <p:cTn id="1" dur="indefinite" restart="never" nodeType="tmRoot">
-          <p:childTnLst>
-            <p:seq concurrent="1" nextAc="seek">
-              <p:cTn id="2" dur="indefinite" nodeType="mainSeq">
-                <p:childTnLst>
-                  <p:par>
-                    <p:cTn id="3" fill="hold" nodeType="clickPar">
-                      <p:stCondLst>
-                        <p:cond delay="indefinite"/>
-                      </p:stCondLst>
-                      <p:childTnLst>
-                        <p:par>
-                          <p:cTn id="4" fill="hold" nodeType="withGroup">
-                            <p:stCondLst>
-                              <p:cond delay="0"/>
-                            </p:stCondLst>
-                            <p:childTnLst>
-                              <p:par>
-                                <p:cTn id="5" presetID="10" presetClass="entr" presetSubtype="0" fill="hold" nodeType="clickEffect">
-                                  <p:stCondLst>
-                                    <p:cond delay="0"/>
-                                  </p:stCondLst>
-                                  <p:childTnLst>
-                                    <p:set>
-                                      <p:cBhvr>
-                                        <p:cTn id="6" dur="1" fill="hold">
-                                          <p:stCondLst>
-                                            <p:cond delay="0"/>
-                                          </p:stCondLst>
-                                        </p:cTn>
-                                        <p:tgtEl>
-                                          <p:spTgt spid="837635"/>
-                                        </p:tgtEl>
-                                        <p:attrNameLst>
-                                          <p:attrName>style.visibility</p:attrName>
-                                        </p:attrNameLst>
-                                      </p:cBhvr>
-                                      <p:to>
-                                        <p:strVal val="visible"/>
-                                      </p:to>
-                                    </p:set>
-                                    <p:animEffect transition="in" filter="fade">
-                                      <p:cBhvr>
-                                        <p:cTn id="7" dur="500"/>
-                                        <p:tgtEl>
-                                          <p:spTgt spid="837635"/>
-                                        </p:tgtEl>
-                                      </p:cBhvr>
-                                    </p:animEffect>
-                                  </p:childTnLst>
-                                </p:cTn>
-                              </p:par>
-                            </p:childTnLst>
-                          </p:cTn>
-                        </p:par>
-                      </p:childTnLst>
-                    </p:cTn>
-                  </p:par>
-                </p:childTnLst>
-              </p:cTn>
-              <p:prevCondLst>
-                <p:cond evt="onPrev" delay="0">
-                  <p:tgtEl>
-                    <p:sldTgt/>
-                  </p:tgtEl>
-                </p:cond>
-              </p:prevCondLst>
-              <p:nextCondLst>
-                <p:cond evt="onNext" delay="0">
-                  <p:tgtEl>
-                    <p:sldTgt/>
-                  </p:tgtEl>
-                </p:cond>
-              </p:nextCondLst>
-            </p:seq>
-          </p:childTnLst>
-        </p:cTn>
-      </p:par>
-    </p:tnLst>
-  </p:timing>
 </p:sld>
 </file>
 
